--- a/slides/docker_intro.pptx
+++ b/slides/docker_intro.pptx
@@ -410,7 +410,7 @@
           <a:p>
             <a:fld id="{484FEB8E-57CB-43C0-BEF7-4F4116A5252C}" type="datetimeFigureOut">
               <a:rPr lang="de-CH" smtClean="0"/>
-              <a:t>11.02.25</a:t>
+              <a:t>11.02.2025</a:t>
             </a:fld>
             <a:endParaRPr lang="de-CH"/>
           </a:p>
@@ -569,7 +569,7 @@
           <a:p>
             <a:fld id="{DA53D58F-CC03-47C4-AC79-D3C984A61519}" type="slidenum">
               <a:rPr lang="de-CH" smtClean="0"/>
-              <a:t>‹#›</a:t>
+              <a:t>‹Nr.›</a:t>
             </a:fld>
             <a:endParaRPr lang="de-CH"/>
           </a:p>
@@ -1104,7 +1104,7 @@
             <a:fld id="{B3811826-9277-4232-A2B5-17D05DFC7392}" type="slidenum">
               <a:rPr lang="de-CH" smtClean="0"/>
               <a:pPr/>
-              <a:t>‹#›</a:t>
+              <a:t>‹Nr.›</a:t>
             </a:fld>
             <a:endParaRPr lang="de-CH"/>
           </a:p>
@@ -1433,7 +1433,7 @@
             <a:fld id="{B3811826-9277-4232-A2B5-17D05DFC7392}" type="slidenum">
               <a:rPr lang="de-CH" smtClean="0"/>
               <a:pPr/>
-              <a:t>‹#›</a:t>
+              <a:t>‹Nr.›</a:t>
             </a:fld>
             <a:endParaRPr lang="de-CH"/>
           </a:p>
@@ -1580,7 +1580,7 @@
             <a:fld id="{B3811826-9277-4232-A2B5-17D05DFC7392}" type="slidenum">
               <a:rPr lang="de-CH" smtClean="0"/>
               <a:pPr/>
-              <a:t>‹#›</a:t>
+              <a:t>‹Nr.›</a:t>
             </a:fld>
             <a:endParaRPr lang="de-CH"/>
           </a:p>
@@ -2106,7 +2106,7 @@
             <a:fld id="{B3811826-9277-4232-A2B5-17D05DFC7392}" type="slidenum">
               <a:rPr lang="de-CH" smtClean="0"/>
               <a:pPr/>
-              <a:t>‹#›</a:t>
+              <a:t>‹Nr.›</a:t>
             </a:fld>
             <a:endParaRPr lang="de-CH" dirty="0"/>
           </a:p>
@@ -2366,7 +2366,7 @@
             <a:fld id="{B3811826-9277-4232-A2B5-17D05DFC7392}" type="slidenum">
               <a:rPr lang="de-CH" smtClean="0"/>
               <a:pPr/>
-              <a:t>‹#›</a:t>
+              <a:t>‹Nr.›</a:t>
             </a:fld>
             <a:endParaRPr lang="de-CH"/>
           </a:p>
@@ -2717,7 +2717,7 @@
             <a:fld id="{B3811826-9277-4232-A2B5-17D05DFC7392}" type="slidenum">
               <a:rPr lang="de-CH" smtClean="0"/>
               <a:pPr/>
-              <a:t>‹#›</a:t>
+              <a:t>‹Nr.›</a:t>
             </a:fld>
             <a:endParaRPr lang="de-CH"/>
           </a:p>
@@ -2980,7 +2980,7 @@
             <a:fld id="{B3811826-9277-4232-A2B5-17D05DFC7392}" type="slidenum">
               <a:rPr lang="de-CH" smtClean="0"/>
               <a:pPr/>
-              <a:t>‹#›</a:t>
+              <a:t>‹Nr.›</a:t>
             </a:fld>
             <a:endParaRPr lang="de-CH"/>
           </a:p>
@@ -3326,7 +3326,7 @@
             <a:fld id="{B3811826-9277-4232-A2B5-17D05DFC7392}" type="slidenum">
               <a:rPr lang="de-CH" smtClean="0"/>
               <a:pPr/>
-              <a:t>‹#›</a:t>
+              <a:t>‹Nr.›</a:t>
             </a:fld>
             <a:endParaRPr lang="de-CH"/>
           </a:p>
@@ -3594,7 +3594,7 @@
             <a:fld id="{B3811826-9277-4232-A2B5-17D05DFC7392}" type="slidenum">
               <a:rPr lang="de-CH" smtClean="0"/>
               <a:pPr/>
-              <a:t>‹#›</a:t>
+              <a:t>‹Nr.›</a:t>
             </a:fld>
             <a:endParaRPr lang="de-CH"/>
           </a:p>
@@ -3966,7 +3966,7 @@
             <a:fld id="{B3811826-9277-4232-A2B5-17D05DFC7392}" type="slidenum">
               <a:rPr lang="de-CH" smtClean="0"/>
               <a:pPr/>
-              <a:t>‹#›</a:t>
+              <a:t>‹Nr.›</a:t>
             </a:fld>
             <a:endParaRPr lang="de-CH"/>
           </a:p>
@@ -4437,7 +4437,7 @@
             <a:fld id="{B3811826-9277-4232-A2B5-17D05DFC7392}" type="slidenum">
               <a:rPr lang="de-CH" smtClean="0"/>
               <a:pPr/>
-              <a:t>‹#›</a:t>
+              <a:t>‹Nr.›</a:t>
             </a:fld>
             <a:endParaRPr lang="de-CH" dirty="0"/>
           </a:p>
@@ -5506,14 +5506,14 @@
               <a:buChar char="-"/>
             </a:pPr>
             <a:r>
-              <a:rPr lang="en-US"/>
+              <a:rPr lang="en-US" dirty="0"/>
               <a:t>Container</a:t>
             </a:r>
             <a:br>
-              <a:rPr lang="en-US"/>
+              <a:rPr lang="en-US" dirty="0"/>
             </a:br>
             <a:r>
-              <a:rPr lang="en-US"/>
+              <a:rPr lang="en-US" dirty="0"/>
               <a:t>Applications run in containers</a:t>
             </a:r>
           </a:p>
@@ -5522,7 +5522,7 @@
               <a:buFontTx/>
               <a:buChar char="-"/>
             </a:pPr>
-            <a:endParaRPr lang="en-US"/>
+            <a:endParaRPr lang="en-US" dirty="0"/>
           </a:p>
           <a:p>
             <a:pPr marL="285750" indent="-285750">
@@ -5530,14 +5530,14 @@
               <a:buChar char="-"/>
             </a:pPr>
             <a:r>
-              <a:rPr lang="en-US"/>
+              <a:rPr lang="en-US" dirty="0"/>
               <a:t>Images</a:t>
             </a:r>
             <a:br>
-              <a:rPr lang="en-US"/>
+              <a:rPr lang="en-US" dirty="0"/>
             </a:br>
             <a:r>
-              <a:rPr lang="en-US"/>
+              <a:rPr lang="en-US" dirty="0"/>
               <a:t>Specify what you run in a container</a:t>
             </a:r>
           </a:p>
@@ -5546,7 +5546,7 @@
               <a:buFontTx/>
               <a:buChar char="-"/>
             </a:pPr>
-            <a:endParaRPr lang="en-US"/>
+            <a:endParaRPr lang="en-US" dirty="0"/>
           </a:p>
           <a:p>
             <a:pPr marL="285750" indent="-285750">
@@ -5554,14 +5554,14 @@
               <a:buChar char="-"/>
             </a:pPr>
             <a:r>
-              <a:rPr lang="en-US"/>
+              <a:rPr lang="en-US" dirty="0"/>
               <a:t>Registry</a:t>
             </a:r>
             <a:br>
-              <a:rPr lang="en-US"/>
+              <a:rPr lang="en-US" dirty="0"/>
             </a:br>
             <a:r>
-              <a:rPr lang="en-US"/>
+              <a:rPr lang="en-US" dirty="0"/>
               <a:t>Store images and make them available</a:t>
             </a:r>
           </a:p>
@@ -5569,7 +5569,7 @@
             <a:pPr lvl="1" indent="0">
               <a:buNone/>
             </a:pPr>
-            <a:endParaRPr lang="en-US"/>
+            <a:endParaRPr lang="en-US" dirty="0"/>
           </a:p>
           <a:p>
             <a:pPr marL="285750" indent="-285750">
@@ -5577,7 +5577,7 @@
               <a:buChar char="-"/>
             </a:pPr>
             <a:r>
-              <a:rPr lang="en-US"/>
+              <a:rPr lang="en-US" dirty="0"/>
               <a:t>Basic work steps</a:t>
             </a:r>
           </a:p>
@@ -5587,7 +5587,7 @@
               <a:buChar char="-"/>
             </a:pPr>
             <a:r>
-              <a:rPr lang="en-US"/>
+              <a:rPr lang="en-US" dirty="0"/>
               <a:t>Develop app</a:t>
             </a:r>
           </a:p>
@@ -5597,15 +5597,15 @@
               <a:buChar char="-"/>
             </a:pPr>
             <a:r>
-              <a:rPr lang="en-US"/>
-              <a:t>User </a:t>
-            </a:r>
-            <a:r>
-              <a:rPr lang="en-US" err="1"/>
+              <a:rPr lang="en-US" dirty="0"/>
+              <a:t>Use </a:t>
+            </a:r>
+            <a:r>
+              <a:rPr lang="en-US" dirty="0" err="1"/>
               <a:t>Dockerfile</a:t>
             </a:r>
             <a:r>
-              <a:rPr lang="en-US"/>
+              <a:rPr lang="en-US" dirty="0"/>
               <a:t> to specify image</a:t>
             </a:r>
           </a:p>
@@ -5615,7 +5615,7 @@
               <a:buChar char="-"/>
             </a:pPr>
             <a:r>
-              <a:rPr lang="en-US"/>
+              <a:rPr lang="en-US" dirty="0"/>
               <a:t>Build image</a:t>
             </a:r>
           </a:p>
@@ -5625,7 +5625,7 @@
               <a:buChar char="-"/>
             </a:pPr>
             <a:r>
-              <a:rPr lang="en-US"/>
+              <a:rPr lang="en-US" dirty="0"/>
               <a:t>(Publish image in registry)</a:t>
             </a:r>
           </a:p>
@@ -5635,7 +5635,7 @@
               <a:buChar char="-"/>
             </a:pPr>
             <a:r>
-              <a:rPr lang="en-US"/>
+              <a:rPr lang="en-US" dirty="0"/>
               <a:t>Run container given image</a:t>
             </a:r>
           </a:p>
@@ -5644,7 +5644,7 @@
               <a:buFontTx/>
               <a:buChar char="-"/>
             </a:pPr>
-            <a:endParaRPr lang="en-US"/>
+            <a:endParaRPr lang="en-US" dirty="0"/>
           </a:p>
         </p:txBody>
       </p:sp>
@@ -5852,7 +5852,7 @@
               <a:buAutoNum type="arabicParenR"/>
             </a:pPr>
             <a:r>
-              <a:rPr lang="en-US"/>
+              <a:rPr lang="en-US" dirty="0"/>
               <a:t>docker run ubuntu</a:t>
             </a:r>
           </a:p>
@@ -5861,7 +5861,7 @@
               <a:buFont typeface="+mj-lt"/>
               <a:buAutoNum type="arabicParenR"/>
             </a:pPr>
-            <a:endParaRPr lang="en-US"/>
+            <a:endParaRPr lang="en-US" dirty="0"/>
           </a:p>
           <a:p>
             <a:pPr marL="342900" indent="-342900">
@@ -5869,15 +5869,15 @@
               <a:buAutoNum type="arabicParenR"/>
             </a:pPr>
             <a:r>
-              <a:rPr lang="en-US"/>
+              <a:rPr lang="en-US" dirty="0"/>
               <a:t>docker </a:t>
             </a:r>
             <a:r>
-              <a:rPr lang="en-US" err="1"/>
+              <a:rPr lang="en-US" dirty="0" err="1"/>
               <a:t>ps</a:t>
             </a:r>
             <a:r>
-              <a:rPr lang="en-US"/>
+              <a:rPr lang="en-US" dirty="0"/>
               <a:t> </a:t>
             </a:r>
           </a:p>
@@ -5886,7 +5886,7 @@
               <a:buFont typeface="+mj-lt"/>
               <a:buAutoNum type="arabicParenR"/>
             </a:pPr>
-            <a:endParaRPr lang="en-US"/>
+            <a:endParaRPr lang="en-US" dirty="0"/>
           </a:p>
           <a:p>
             <a:pPr marL="342900" indent="-342900">
@@ -5894,26 +5894,26 @@
               <a:buAutoNum type="arabicParenR"/>
             </a:pPr>
             <a:r>
-              <a:rPr lang="en-US"/>
+              <a:rPr lang="en-US" dirty="0"/>
               <a:t>docker run -it ubuntu</a:t>
             </a:r>
             <a:br>
-              <a:rPr lang="en-US"/>
+              <a:rPr lang="en-US" dirty="0"/>
             </a:br>
             <a:r>
-              <a:rPr lang="en-US">
+              <a:rPr lang="en-US" dirty="0">
                 <a:sym typeface="Wingdings" pitchFamily="2" charset="2"/>
               </a:rPr>
               <a:t> create a file</a:t>
             </a:r>
-            <a:endParaRPr lang="en-US"/>
+            <a:endParaRPr lang="en-US" dirty="0"/>
           </a:p>
           <a:p>
             <a:pPr marL="342900" indent="-342900">
               <a:buFont typeface="+mj-lt"/>
               <a:buAutoNum type="arabicParenR"/>
             </a:pPr>
-            <a:endParaRPr lang="en-US"/>
+            <a:endParaRPr lang="en-US" dirty="0"/>
           </a:p>
           <a:p>
             <a:pPr marL="342900" indent="-342900">
@@ -5921,7 +5921,7 @@
               <a:buAutoNum type="arabicParenR"/>
             </a:pPr>
             <a:r>
-              <a:rPr lang="en-US"/>
+              <a:rPr lang="en-US" dirty="0"/>
               <a:t>Second terminal: docker stop …</a:t>
             </a:r>
           </a:p>
@@ -5930,7 +5930,7 @@
               <a:buFont typeface="+mj-lt"/>
               <a:buAutoNum type="arabicParenR"/>
             </a:pPr>
-            <a:endParaRPr lang="en-US"/>
+            <a:endParaRPr lang="en-US" dirty="0"/>
           </a:p>
           <a:p>
             <a:pPr marL="342900" indent="-342900">
@@ -5938,15 +5938,15 @@
               <a:buAutoNum type="arabicParenR"/>
             </a:pPr>
             <a:r>
-              <a:rPr lang="en-US"/>
+              <a:rPr lang="en-US" dirty="0"/>
               <a:t>docker </a:t>
             </a:r>
             <a:r>
-              <a:rPr lang="en-US" err="1"/>
+              <a:rPr lang="en-US" dirty="0" err="1"/>
               <a:t>ps</a:t>
             </a:r>
             <a:r>
-              <a:rPr lang="en-US"/>
+              <a:rPr lang="en-US" dirty="0"/>
               <a:t> -a</a:t>
             </a:r>
           </a:p>
@@ -5955,7 +5955,7 @@
               <a:buFont typeface="+mj-lt"/>
               <a:buAutoNum type="arabicParenR"/>
             </a:pPr>
-            <a:endParaRPr lang="en-US"/>
+            <a:endParaRPr lang="en-US" dirty="0"/>
           </a:p>
           <a:p>
             <a:pPr marL="342900" indent="-342900">
@@ -5963,7 +5963,7 @@
               <a:buAutoNum type="arabicParenR"/>
             </a:pPr>
             <a:r>
-              <a:rPr lang="en-US"/>
+              <a:rPr lang="en-US" dirty="0"/>
               <a:t>docker start …</a:t>
             </a:r>
           </a:p>
@@ -5972,7 +5972,7 @@
               <a:buFont typeface="+mj-lt"/>
               <a:buAutoNum type="arabicParenR"/>
             </a:pPr>
-            <a:endParaRPr lang="en-US"/>
+            <a:endParaRPr lang="en-US" dirty="0"/>
           </a:p>
           <a:p>
             <a:pPr marL="342900" indent="-342900">
@@ -5980,14 +5980,14 @@
               <a:buAutoNum type="arabicParenR"/>
             </a:pPr>
             <a:r>
-              <a:rPr lang="en-US"/>
+              <a:rPr lang="en-US" dirty="0"/>
               <a:t>docker exec -it bash</a:t>
             </a:r>
             <a:br>
-              <a:rPr lang="en-US"/>
+              <a:rPr lang="en-US" dirty="0"/>
             </a:br>
             <a:r>
-              <a:rPr lang="en-US">
+              <a:rPr lang="en-US" dirty="0">
                 <a:sym typeface="Wingdings" pitchFamily="2" charset="2"/>
               </a:rPr>
               <a:t> file content</a:t>
@@ -5998,7 +5998,7 @@
               <a:buFont typeface="+mj-lt"/>
               <a:buAutoNum type="arabicParenR"/>
             </a:pPr>
-            <a:endParaRPr lang="en-US">
+            <a:endParaRPr lang="en-US" dirty="0">
               <a:sym typeface="Wingdings" pitchFamily="2" charset="2"/>
             </a:endParaRPr>
           </a:p>
@@ -6008,19 +6008,19 @@
               <a:buAutoNum type="arabicParenR"/>
             </a:pPr>
             <a:r>
-              <a:rPr lang="en-US">
+              <a:rPr lang="en-US" dirty="0">
                 <a:sym typeface="Wingdings" pitchFamily="2" charset="2"/>
               </a:rPr>
               <a:t>docker kill …</a:t>
             </a:r>
-            <a:endParaRPr lang="en-US"/>
+            <a:endParaRPr lang="en-US" dirty="0"/>
           </a:p>
           <a:p>
             <a:pPr marL="285750" indent="-285750">
               <a:buFontTx/>
               <a:buChar char="-"/>
             </a:pPr>
-            <a:endParaRPr lang="en-US"/>
+            <a:endParaRPr lang="en-US" dirty="0"/>
           </a:p>
         </p:txBody>
       </p:sp>
@@ -6454,8 +6454,8 @@
         </p:nvSpPr>
         <p:spPr>
           <a:xfrm>
-            <a:off x="331013" y="1844848"/>
-            <a:ext cx="5257144" cy="4536480"/>
+            <a:off x="331012" y="1844848"/>
+            <a:ext cx="5404947" cy="4536480"/>
           </a:xfrm>
         </p:spPr>
         <p:txBody>
@@ -6524,11 +6524,11 @@
             </a:r>
             <a:r>
               <a:rPr lang="en-US" u="sng" dirty="0" err="1"/>
-              <a:t>mydata:data</a:t>
+              <a:t>mydata</a:t>
             </a:r>
             <a:r>
               <a:rPr lang="en-US" u="sng" dirty="0"/>
-              <a:t> </a:t>
+              <a:t>:/data </a:t>
             </a:r>
             <a:r>
               <a:rPr lang="en-US" dirty="0"/>
@@ -6574,11 +6574,11 @@
             </a:r>
             <a:r>
               <a:rPr lang="en-US" u="sng" dirty="0" err="1"/>
-              <a:t>mydata:data</a:t>
+              <a:t>mydata</a:t>
             </a:r>
             <a:r>
               <a:rPr lang="en-US" u="sng" dirty="0"/>
-              <a:t> </a:t>
+              <a:t>:/data </a:t>
             </a:r>
             <a:r>
               <a:rPr lang="en-US" dirty="0"/>
@@ -6970,11 +6970,11 @@
             </a:r>
             <a:r>
               <a:rPr lang="en-US" u="sng" dirty="0" err="1"/>
-              <a:t>mydata:data</a:t>
+              <a:t>mydata</a:t>
             </a:r>
             <a:r>
               <a:rPr lang="en-US" u="sng" dirty="0"/>
-              <a:t>” </a:t>
+              <a:t>:/data” </a:t>
             </a:r>
             <a:r>
               <a:rPr lang="en-US" dirty="0"/>
@@ -7003,11 +7003,11 @@
             </a:r>
             <a:r>
               <a:rPr lang="en-US" u="sng" dirty="0" err="1"/>
-              <a:t>mydata:data</a:t>
+              <a:t>mydata</a:t>
             </a:r>
             <a:r>
               <a:rPr lang="en-US" u="sng" dirty="0"/>
-              <a:t>” </a:t>
+              <a:t>:/data” </a:t>
             </a:r>
             <a:r>
               <a:rPr lang="en-US" dirty="0"/>
